--- a/documentacion/fichas_curriculares/coahuilaf/COAHUILA.pptx
+++ b/documentacion/fichas_curriculares/coahuilaf/COAHUILA.pptx
@@ -259,7 +259,7 @@
           <a:p>
             <a:fld id="{664CB750-BDA0-4B3C-9407-BAF21E562682}" type="datetimeFigureOut">
               <a:rPr lang="es-MX" smtClean="0"/>
-              <a:t>24.04.2025</a:t>
+              <a:t>30.04.2025</a:t>
             </a:fld>
             <a:endParaRPr lang="es-MX"/>
           </a:p>
@@ -457,7 +457,7 @@
           <a:p>
             <a:fld id="{664CB750-BDA0-4B3C-9407-BAF21E562682}" type="datetimeFigureOut">
               <a:rPr lang="es-MX" smtClean="0"/>
-              <a:t>24.04.2025</a:t>
+              <a:t>30.04.2025</a:t>
             </a:fld>
             <a:endParaRPr lang="es-MX"/>
           </a:p>
@@ -665,7 +665,7 @@
           <a:p>
             <a:fld id="{664CB750-BDA0-4B3C-9407-BAF21E562682}" type="datetimeFigureOut">
               <a:rPr lang="es-MX" smtClean="0"/>
-              <a:t>24.04.2025</a:t>
+              <a:t>30.04.2025</a:t>
             </a:fld>
             <a:endParaRPr lang="es-MX"/>
           </a:p>
@@ -863,7 +863,7 @@
           <a:p>
             <a:fld id="{664CB750-BDA0-4B3C-9407-BAF21E562682}" type="datetimeFigureOut">
               <a:rPr lang="es-MX" smtClean="0"/>
-              <a:t>24.04.2025</a:t>
+              <a:t>30.04.2025</a:t>
             </a:fld>
             <a:endParaRPr lang="es-MX"/>
           </a:p>
@@ -1138,7 +1138,7 @@
           <a:p>
             <a:fld id="{664CB750-BDA0-4B3C-9407-BAF21E562682}" type="datetimeFigureOut">
               <a:rPr lang="es-MX" smtClean="0"/>
-              <a:t>24.04.2025</a:t>
+              <a:t>30.04.2025</a:t>
             </a:fld>
             <a:endParaRPr lang="es-MX"/>
           </a:p>
@@ -1403,7 +1403,7 @@
           <a:p>
             <a:fld id="{664CB750-BDA0-4B3C-9407-BAF21E562682}" type="datetimeFigureOut">
               <a:rPr lang="es-MX" smtClean="0"/>
-              <a:t>24.04.2025</a:t>
+              <a:t>30.04.2025</a:t>
             </a:fld>
             <a:endParaRPr lang="es-MX"/>
           </a:p>
@@ -1815,7 +1815,7 @@
           <a:p>
             <a:fld id="{664CB750-BDA0-4B3C-9407-BAF21E562682}" type="datetimeFigureOut">
               <a:rPr lang="es-MX" smtClean="0"/>
-              <a:t>24.04.2025</a:t>
+              <a:t>30.04.2025</a:t>
             </a:fld>
             <a:endParaRPr lang="es-MX"/>
           </a:p>
@@ -1956,7 +1956,7 @@
           <a:p>
             <a:fld id="{664CB750-BDA0-4B3C-9407-BAF21E562682}" type="datetimeFigureOut">
               <a:rPr lang="es-MX" smtClean="0"/>
-              <a:t>24.04.2025</a:t>
+              <a:t>30.04.2025</a:t>
             </a:fld>
             <a:endParaRPr lang="es-MX"/>
           </a:p>
@@ -2069,7 +2069,7 @@
           <a:p>
             <a:fld id="{664CB750-BDA0-4B3C-9407-BAF21E562682}" type="datetimeFigureOut">
               <a:rPr lang="es-MX" smtClean="0"/>
-              <a:t>24.04.2025</a:t>
+              <a:t>30.04.2025</a:t>
             </a:fld>
             <a:endParaRPr lang="es-MX"/>
           </a:p>
@@ -2380,7 +2380,7 @@
           <a:p>
             <a:fld id="{664CB750-BDA0-4B3C-9407-BAF21E562682}" type="datetimeFigureOut">
               <a:rPr lang="es-MX" smtClean="0"/>
-              <a:t>24.04.2025</a:t>
+              <a:t>30.04.2025</a:t>
             </a:fld>
             <a:endParaRPr lang="es-MX"/>
           </a:p>
@@ -2668,7 +2668,7 @@
           <a:p>
             <a:fld id="{664CB750-BDA0-4B3C-9407-BAF21E562682}" type="datetimeFigureOut">
               <a:rPr lang="es-MX" smtClean="0"/>
-              <a:t>24.04.2025</a:t>
+              <a:t>30.04.2025</a:t>
             </a:fld>
             <a:endParaRPr lang="es-MX"/>
           </a:p>
@@ -2909,7 +2909,7 @@
           <a:p>
             <a:fld id="{664CB750-BDA0-4B3C-9407-BAF21E562682}" type="datetimeFigureOut">
               <a:rPr lang="es-MX" smtClean="0"/>
-              <a:t>24.04.2025</a:t>
+              <a:t>30.04.2025</a:t>
             </a:fld>
             <a:endParaRPr lang="es-MX"/>
           </a:p>
@@ -4600,39 +4600,6 @@
       </p:pic>
       <p:pic>
         <p:nvPicPr>
-          <p:cNvPr id="22" name="0 Imagen">
-            <a:extLst>
-              <a:ext uri="{FF2B5EF4-FFF2-40B4-BE49-F238E27FC236}">
-                <a16:creationId xmlns:a16="http://schemas.microsoft.com/office/drawing/2014/main" id="{FBA95787-1E9A-4CF4-8259-2BA3C49BF1EE}"/>
-              </a:ext>
-            </a:extLst>
-          </p:cNvPr>
-          <p:cNvPicPr/>
-          <p:nvPr/>
-        </p:nvPicPr>
-        <p:blipFill rotWithShape="1">
-          <a:blip r:embed="rId5">
-            <a:extLst>
-              <a:ext uri="{28A0092B-C50C-407E-A947-70E740481C1C}">
-                <a14:useLocalDpi xmlns:a14="http://schemas.microsoft.com/office/drawing/2010/main" val="0"/>
-              </a:ext>
-            </a:extLst>
-          </a:blip>
-          <a:srcRect l="6381" r="6381"/>
-          <a:stretch/>
-        </p:blipFill>
-        <p:spPr>
-          <a:xfrm>
-            <a:off x="0" y="8324901"/>
-            <a:ext cx="6858000" cy="707885"/>
-          </a:xfrm>
-          <a:prstGeom prst="rect">
-            <a:avLst/>
-          </a:prstGeom>
-        </p:spPr>
-      </p:pic>
-      <p:pic>
-        <p:nvPicPr>
           <p:cNvPr id="16" name="Picture 2" descr="W:\SDCO_Zona Sur\SUR\CV TITULARES DE LAS O R\SEMBLANZAS CURRICULARES TOR -JUNIO 2024\FOTOS\COAHUILA -SONIA LETICIA GUARDIOLA ALEMAN.jpg">
             <a:extLst>
               <a:ext uri="{FF2B5EF4-FFF2-40B4-BE49-F238E27FC236}">
@@ -4646,7 +4613,7 @@
           <p:nvPr/>
         </p:nvPicPr>
         <p:blipFill>
-          <a:blip r:embed="rId6" cstate="print">
+          <a:blip r:embed="rId5" cstate="print">
             <a:extLst>
               <a:ext uri="{28A0092B-C50C-407E-A947-70E740481C1C}">
                 <a14:useLocalDpi xmlns:a14="http://schemas.microsoft.com/office/drawing/2010/main" val="0"/>
@@ -4784,6 +4751,35 @@
           </a:p>
         </p:txBody>
       </p:sp>
+      <p:pic>
+        <p:nvPicPr>
+          <p:cNvPr id="15" name="Imagen 14">
+            <a:extLst>
+              <a:ext uri="{FF2B5EF4-FFF2-40B4-BE49-F238E27FC236}">
+                <a16:creationId xmlns:a16="http://schemas.microsoft.com/office/drawing/2014/main" id="{CE2FDB39-6F72-464D-8AB2-CD36D7E6D7FF}"/>
+              </a:ext>
+            </a:extLst>
+          </p:cNvPr>
+          <p:cNvPicPr>
+            <a:picLocks noChangeAspect="1"/>
+          </p:cNvPicPr>
+          <p:nvPr/>
+        </p:nvPicPr>
+        <p:blipFill rotWithShape="1">
+          <a:blip r:embed="rId6"/>
+          <a:srcRect l="2500" b="20944"/>
+          <a:stretch/>
+        </p:blipFill>
+        <p:spPr>
+          <a:xfrm>
+            <a:off x="14030" y="8348899"/>
+            <a:ext cx="6829939" cy="724300"/>
+          </a:xfrm>
+          <a:prstGeom prst="rect">
+            <a:avLst/>
+          </a:prstGeom>
+        </p:spPr>
+      </p:pic>
     </p:spTree>
     <p:extLst>
       <p:ext uri="{BB962C8B-B14F-4D97-AF65-F5344CB8AC3E}">
